--- a/Presentation 1.pptx
+++ b/Presentation 1.pptx
@@ -15,6 +15,7 @@
     <p:sldId id="263" r:id="rId9"/>
     <p:sldId id="264" r:id="rId10"/>
     <p:sldId id="265" r:id="rId11"/>
+    <p:sldId id="266" r:id="rId12"/>
   </p:sldIdLst>
   <p:sldSz cx="12192000" cy="6858000"/>
   <p:notesSz cx="6858000" cy="9144000"/>
@@ -850,7 +851,7 @@
             <a:fld id="{B61BEF0D-F0BB-DE4B-95CE-6DB70DBA9567}" type="datetimeFigureOut">
               <a:rPr lang="en-US" dirty="0"/>
               <a:pPr/>
-              <a:t>2/11/2020</a:t>
+              <a:t>2/12/2020</a:t>
             </a:fld>
             <a:endParaRPr lang="en-US" dirty="0"/>
           </a:p>
@@ -1102,7 +1103,7 @@
             <a:fld id="{B61BEF0D-F0BB-DE4B-95CE-6DB70DBA9567}" type="datetimeFigureOut">
               <a:rPr lang="en-US" dirty="0"/>
               <a:pPr/>
-              <a:t>2/11/2020</a:t>
+              <a:t>2/12/2020</a:t>
             </a:fld>
             <a:endParaRPr lang="en-US" dirty="0"/>
           </a:p>
@@ -1417,7 +1418,7 @@
             <a:fld id="{B61BEF0D-F0BB-DE4B-95CE-6DB70DBA9567}" type="datetimeFigureOut">
               <a:rPr lang="en-US" dirty="0"/>
               <a:pPr/>
-              <a:t>2/11/2020</a:t>
+              <a:t>2/12/2020</a:t>
             </a:fld>
             <a:endParaRPr lang="en-US" dirty="0"/>
           </a:p>
@@ -1759,7 +1760,7 @@
             <a:fld id="{B61BEF0D-F0BB-DE4B-95CE-6DB70DBA9567}" type="datetimeFigureOut">
               <a:rPr lang="en-US" dirty="0"/>
               <a:pPr/>
-              <a:t>2/11/2020</a:t>
+              <a:t>2/12/2020</a:t>
             </a:fld>
             <a:endParaRPr lang="en-US" dirty="0"/>
           </a:p>
@@ -2074,7 +2075,7 @@
             <a:fld id="{B61BEF0D-F0BB-DE4B-95CE-6DB70DBA9567}" type="datetimeFigureOut">
               <a:rPr lang="en-US" dirty="0"/>
               <a:pPr/>
-              <a:t>2/11/2020</a:t>
+              <a:t>2/12/2020</a:t>
             </a:fld>
             <a:endParaRPr lang="en-US" dirty="0"/>
           </a:p>
@@ -2468,7 +2469,7 @@
             <a:fld id="{B61BEF0D-F0BB-DE4B-95CE-6DB70DBA9567}" type="datetimeFigureOut">
               <a:rPr lang="en-US" dirty="0"/>
               <a:pPr/>
-              <a:t>2/11/2020</a:t>
+              <a:t>2/12/2020</a:t>
             </a:fld>
             <a:endParaRPr lang="en-US" dirty="0"/>
           </a:p>
@@ -2637,7 +2638,7 @@
           <a:p>
             <a:fld id="{55C6B4A9-1611-4792-9094-5F34BCA07E0B}" type="datetimeFigureOut">
               <a:rPr lang="en-US" dirty="0"/>
-              <a:t>2/11/2020</a:t>
+              <a:t>2/12/2020</a:t>
             </a:fld>
             <a:endParaRPr lang="en-US" dirty="0"/>
           </a:p>
@@ -2816,7 +2817,7 @@
             <a:fld id="{B61BEF0D-F0BB-DE4B-95CE-6DB70DBA9567}" type="datetimeFigureOut">
               <a:rPr lang="en-US" dirty="0"/>
               <a:pPr/>
-              <a:t>2/11/2020</a:t>
+              <a:t>2/12/2020</a:t>
             </a:fld>
             <a:endParaRPr lang="en-US" dirty="0"/>
           </a:p>
@@ -2992,7 +2993,7 @@
             <a:fld id="{B61BEF0D-F0BB-DE4B-95CE-6DB70DBA9567}" type="datetimeFigureOut">
               <a:rPr lang="en-US" dirty="0"/>
               <a:pPr/>
-              <a:t>2/11/2020</a:t>
+              <a:t>2/12/2020</a:t>
             </a:fld>
             <a:endParaRPr lang="en-US" dirty="0"/>
           </a:p>
@@ -3240,7 +3241,7 @@
             <a:fld id="{B61BEF0D-F0BB-DE4B-95CE-6DB70DBA9567}" type="datetimeFigureOut">
               <a:rPr lang="en-US" dirty="0"/>
               <a:pPr/>
-              <a:t>2/11/2020</a:t>
+              <a:t>2/12/2020</a:t>
             </a:fld>
             <a:endParaRPr lang="en-US" dirty="0"/>
           </a:p>
@@ -3470,7 +3471,7 @@
           <a:p>
             <a:fld id="{EB712588-04B1-427B-82EE-E8DB90309F08}" type="datetimeFigureOut">
               <a:rPr lang="en-US" dirty="0"/>
-              <a:t>2/11/2020</a:t>
+              <a:t>2/12/2020</a:t>
             </a:fld>
             <a:endParaRPr lang="en-US" dirty="0"/>
           </a:p>
@@ -3842,7 +3843,7 @@
             <a:fld id="{B61BEF0D-F0BB-DE4B-95CE-6DB70DBA9567}" type="datetimeFigureOut">
               <a:rPr lang="en-US" dirty="0"/>
               <a:pPr/>
-              <a:t>2/11/2020</a:t>
+              <a:t>2/12/2020</a:t>
             </a:fld>
             <a:endParaRPr lang="en-US" dirty="0"/>
           </a:p>
@@ -3966,7 +3967,7 @@
             <a:fld id="{B61BEF0D-F0BB-DE4B-95CE-6DB70DBA9567}" type="datetimeFigureOut">
               <a:rPr lang="en-US" dirty="0"/>
               <a:pPr/>
-              <a:t>2/11/2020</a:t>
+              <a:t>2/12/2020</a:t>
             </a:fld>
             <a:endParaRPr lang="en-US" dirty="0"/>
           </a:p>
@@ -4063,7 +4064,7 @@
             <a:fld id="{B61BEF0D-F0BB-DE4B-95CE-6DB70DBA9567}" type="datetimeFigureOut">
               <a:rPr lang="en-US" dirty="0"/>
               <a:pPr/>
-              <a:t>2/11/2020</a:t>
+              <a:t>2/12/2020</a:t>
             </a:fld>
             <a:endParaRPr lang="en-US" dirty="0"/>
           </a:p>
@@ -4317,7 +4318,7 @@
           <a:p>
             <a:fld id="{42A54C80-263E-416B-A8E0-580EDEADCBDC}" type="datetimeFigureOut">
               <a:rPr lang="en-US" dirty="0"/>
-              <a:t>2/11/2020</a:t>
+              <a:t>2/12/2020</a:t>
             </a:fld>
             <a:endParaRPr lang="en-US" dirty="0"/>
           </a:p>
@@ -4576,7 +4577,7 @@
             <a:fld id="{B61BEF0D-F0BB-DE4B-95CE-6DB70DBA9567}" type="datetimeFigureOut">
               <a:rPr lang="en-US" dirty="0"/>
               <a:pPr/>
-              <a:t>2/11/2020</a:t>
+              <a:t>2/12/2020</a:t>
             </a:fld>
             <a:endParaRPr lang="en-US" dirty="0"/>
           </a:p>
@@ -5319,7 +5320,7 @@
             <a:fld id="{B61BEF0D-F0BB-DE4B-95CE-6DB70DBA9567}" type="datetimeFigureOut">
               <a:rPr lang="en-US" dirty="0"/>
               <a:pPr/>
-              <a:t>2/11/2020</a:t>
+              <a:t>2/12/2020</a:t>
             </a:fld>
             <a:endParaRPr lang="en-US" dirty="0"/>
           </a:p>
@@ -5870,7 +5871,23 @@
                   <a:schemeClr val="tx2"/>
                 </a:solidFill>
               </a:rPr>
-              <a:t>DATA TYPES       </a:t>
+              <a:t>DATA </a:t>
+            </a:r>
+            <a:r>
+              <a:rPr lang="en-US" sz="6600" dirty="0" smtClean="0">
+                <a:solidFill>
+                  <a:schemeClr val="tx2"/>
+                </a:solidFill>
+              </a:rPr>
+              <a:t>TYPE  </a:t>
+            </a:r>
+            <a:r>
+              <a:rPr lang="en-US" sz="6600" dirty="0">
+                <a:solidFill>
+                  <a:schemeClr val="tx2"/>
+                </a:solidFill>
+              </a:rPr>
+              <a:t>     </a:t>
             </a:r>
           </a:p>
         </p:txBody>
@@ -5918,6 +5935,13 @@
   <p:clrMapOvr>
     <a:masterClrMapping/>
   </p:clrMapOvr>
+  <p:timing>
+    <p:tnLst>
+      <p:par>
+        <p:cTn id="1" dur="indefinite" restart="never" nodeType="tmRoot"/>
+      </p:par>
+    </p:tnLst>
+  </p:timing>
 </p:sld>
 </file>
 
@@ -5943,7 +5967,7 @@
           <p:cNvPr id="2" name="Title 1">
             <a:extLst>
               <a:ext uri="{FF2B5EF4-FFF2-40B4-BE49-F238E27FC236}">
-                <a16:creationId xmlns:a16="http://schemas.microsoft.com/office/drawing/2014/main" id="{69049522-C5AF-4AAB-B9C2-052FC638C0BA}"/>
+                <a16:creationId xmlns:a16="http://schemas.microsoft.com/office/drawing/2014/main" xmlns="" id="{69049522-C5AF-4AAB-B9C2-052FC638C0BA}"/>
               </a:ext>
             </a:extLst>
           </p:cNvPr>
@@ -5977,7 +6001,7 @@
           <p:cNvPr id="3" name="Content Placeholder 2">
             <a:extLst>
               <a:ext uri="{FF2B5EF4-FFF2-40B4-BE49-F238E27FC236}">
-                <a16:creationId xmlns:a16="http://schemas.microsoft.com/office/drawing/2014/main" id="{9A98F1BE-82DF-4D72-BF67-4982BEA02430}"/>
+                <a16:creationId xmlns:a16="http://schemas.microsoft.com/office/drawing/2014/main" xmlns="" id="{9A98F1BE-82DF-4D72-BF67-4982BEA02430}"/>
               </a:ext>
             </a:extLst>
           </p:cNvPr>
@@ -5991,68 +6015,68 @@
         <p:spPr/>
         <p:txBody>
           <a:bodyPr vert="horz" lIns="91440" tIns="45720" rIns="91440" bIns="45720" rtlCol="0" anchor="t">
-            <a:normAutofit fontScale="70000" lnSpcReduction="20000"/>
+            <a:normAutofit/>
           </a:bodyPr>
           <a:lstStyle/>
           <a:p>
             <a:r>
-              <a:rPr lang="en-US" sz="3600" dirty="0">
+              <a:rPr lang="en-US" sz="2400" dirty="0">
                 <a:ea typeface="+mn-lt"/>
                 <a:cs typeface="+mn-lt"/>
               </a:rPr>
               <a:t>In object-oriented programming with </a:t>
             </a:r>
             <a:r>
-              <a:rPr lang="en-US" sz="3600" b="1" dirty="0">
+              <a:rPr lang="en-US" sz="2400" b="1" dirty="0">
                 <a:ea typeface="+mn-lt"/>
                 <a:cs typeface="+mn-lt"/>
               </a:rPr>
               <a:t>classes</a:t>
             </a:r>
             <a:r>
-              <a:rPr lang="en-US" sz="3600" dirty="0">
+              <a:rPr lang="en-US" sz="2400" dirty="0">
                 <a:ea typeface="+mn-lt"/>
                 <a:cs typeface="+mn-lt"/>
               </a:rPr>
               <a:t>, a </a:t>
             </a:r>
             <a:r>
-              <a:rPr lang="en-US" sz="3600" b="1" dirty="0">
+              <a:rPr lang="en-US" sz="2400" b="1" dirty="0">
                 <a:ea typeface="+mn-lt"/>
                 <a:cs typeface="+mn-lt"/>
               </a:rPr>
               <a:t>class variable</a:t>
             </a:r>
             <a:r>
-              <a:rPr lang="en-US" sz="3600" dirty="0">
+              <a:rPr lang="en-US" sz="2400" dirty="0">
                 <a:ea typeface="+mn-lt"/>
                 <a:cs typeface="+mn-lt"/>
               </a:rPr>
               <a:t> is any </a:t>
             </a:r>
             <a:r>
-              <a:rPr lang="en-US" sz="3600" b="1" dirty="0">
+              <a:rPr lang="en-US" sz="2400" b="1" dirty="0">
                 <a:ea typeface="+mn-lt"/>
                 <a:cs typeface="+mn-lt"/>
               </a:rPr>
               <a:t>variable</a:t>
             </a:r>
             <a:r>
-              <a:rPr lang="en-US" sz="3600" dirty="0">
+              <a:rPr lang="en-US" sz="2400" dirty="0">
                 <a:ea typeface="+mn-lt"/>
                 <a:cs typeface="+mn-lt"/>
               </a:rPr>
               <a:t> declared with the static modifier of which a single copy exists, regardless of how many instances of the </a:t>
             </a:r>
             <a:r>
-              <a:rPr lang="en-US" sz="3600" b="1" dirty="0">
+              <a:rPr lang="en-US" sz="2400" b="1" dirty="0">
                 <a:ea typeface="+mn-lt"/>
                 <a:cs typeface="+mn-lt"/>
               </a:rPr>
               <a:t>class</a:t>
             </a:r>
             <a:r>
-              <a:rPr lang="en-US" sz="3600" dirty="0">
+              <a:rPr lang="en-US" sz="2400" dirty="0">
                 <a:ea typeface="+mn-lt"/>
                 <a:cs typeface="+mn-lt"/>
               </a:rPr>
@@ -6061,81 +6085,81 @@
           </a:p>
           <a:p>
             <a:r>
-              <a:rPr lang="en-US" sz="3600" dirty="0">
+              <a:rPr lang="en-US" sz="2400" dirty="0">
                 <a:ea typeface="+mn-lt"/>
                 <a:cs typeface="+mn-lt"/>
               </a:rPr>
               <a:t>A </a:t>
             </a:r>
             <a:r>
-              <a:rPr lang="en-US" sz="3600" b="1" dirty="0">
+              <a:rPr lang="en-US" sz="2400" b="1" dirty="0">
                 <a:ea typeface="+mn-lt"/>
                 <a:cs typeface="+mn-lt"/>
               </a:rPr>
               <a:t>local variable in Java</a:t>
             </a:r>
             <a:r>
-              <a:rPr lang="en-US" sz="3600" dirty="0">
+              <a:rPr lang="en-US" sz="2400" dirty="0">
                 <a:ea typeface="+mn-lt"/>
                 <a:cs typeface="+mn-lt"/>
               </a:rPr>
               <a:t> is a </a:t>
             </a:r>
             <a:r>
-              <a:rPr lang="en-US" sz="3600" b="1" dirty="0">
+              <a:rPr lang="en-US" sz="2400" b="1" dirty="0">
                 <a:ea typeface="+mn-lt"/>
                 <a:cs typeface="+mn-lt"/>
               </a:rPr>
               <a:t>variable</a:t>
             </a:r>
             <a:r>
-              <a:rPr lang="en-US" sz="3600" dirty="0">
+              <a:rPr lang="en-US" sz="2400" dirty="0">
                 <a:ea typeface="+mn-lt"/>
                 <a:cs typeface="+mn-lt"/>
               </a:rPr>
               <a:t> that's declared within the body of a method. Then you can use the </a:t>
             </a:r>
             <a:r>
-              <a:rPr lang="en-US" sz="3600" b="1" dirty="0">
+              <a:rPr lang="en-US" sz="2400" b="1" dirty="0">
                 <a:ea typeface="+mn-lt"/>
                 <a:cs typeface="+mn-lt"/>
               </a:rPr>
               <a:t>variable</a:t>
             </a:r>
             <a:r>
-              <a:rPr lang="en-US" sz="3600" dirty="0">
+              <a:rPr lang="en-US" sz="2400" dirty="0">
                 <a:ea typeface="+mn-lt"/>
                 <a:cs typeface="+mn-lt"/>
               </a:rPr>
               <a:t> only within that method. Other methods in the class aren't even aware that the </a:t>
             </a:r>
             <a:r>
-              <a:rPr lang="en-US" sz="3600" b="1" dirty="0">
+              <a:rPr lang="en-US" sz="2400" b="1" dirty="0">
                 <a:ea typeface="+mn-lt"/>
                 <a:cs typeface="+mn-lt"/>
               </a:rPr>
               <a:t>variable</a:t>
             </a:r>
             <a:r>
-              <a:rPr lang="en-US" sz="3600" dirty="0">
+              <a:rPr lang="en-US" sz="2400" dirty="0">
                 <a:ea typeface="+mn-lt"/>
                 <a:cs typeface="+mn-lt"/>
               </a:rPr>
               <a:t> exists.</a:t>
             </a:r>
-            <a:endParaRPr lang="en-US" sz="3600" dirty="0"/>
+            <a:endParaRPr lang="en-US" sz="2400" dirty="0"/>
           </a:p>
           <a:p>
             <a:pPr marL="0" indent="0">
               <a:buNone/>
             </a:pPr>
             <a:r>
-              <a:rPr lang="en-US" dirty="0"/>
+              <a:rPr lang="en-US" sz="2400" dirty="0"/>
               <a:t>      </a:t>
             </a:r>
           </a:p>
           <a:p>
-            <a:endParaRPr lang="en-US" dirty="0"/>
+            <a:endParaRPr lang="en-US" sz="2400" dirty="0"/>
           </a:p>
         </p:txBody>
       </p:sp>
@@ -6149,6 +6173,148 @@
   <p:clrMapOvr>
     <a:masterClrMapping/>
   </p:clrMapOvr>
+  <p:timing>
+    <p:tnLst>
+      <p:par>
+        <p:cTn id="1" dur="indefinite" restart="never" nodeType="tmRoot"/>
+      </p:par>
+    </p:tnLst>
+  </p:timing>
+</p:sld>
+</file>
+
+<file path=ppt/slides/slide11.xml><?xml version="1.0" encoding="utf-8"?>
+<p:sld xmlns:a="http://schemas.openxmlformats.org/drawingml/2006/main" xmlns:r="http://schemas.openxmlformats.org/officeDocument/2006/relationships" xmlns:p="http://schemas.openxmlformats.org/presentationml/2006/main">
+  <p:cSld>
+    <p:spTree>
+      <p:nvGrpSpPr>
+        <p:cNvPr id="1" name=""/>
+        <p:cNvGrpSpPr/>
+        <p:nvPr/>
+      </p:nvGrpSpPr>
+      <p:grpSpPr>
+        <a:xfrm>
+          <a:off x="0" y="0"/>
+          <a:ext cx="0" cy="0"/>
+          <a:chOff x="0" y="0"/>
+          <a:chExt cx="0" cy="0"/>
+        </a:xfrm>
+      </p:grpSpPr>
+      <p:sp>
+        <p:nvSpPr>
+          <p:cNvPr id="2" name="Title 1"/>
+          <p:cNvSpPr>
+            <a:spLocks noGrp="1"/>
+          </p:cNvSpPr>
+          <p:nvPr>
+            <p:ph type="title"/>
+          </p:nvPr>
+        </p:nvSpPr>
+        <p:spPr/>
+        <p:txBody>
+          <a:bodyPr>
+            <a:normAutofit/>
+          </a:bodyPr>
+          <a:lstStyle/>
+          <a:p>
+            <a:r>
+              <a:rPr lang="en-US" sz="7200" dirty="0" smtClean="0">
+                <a:solidFill>
+                  <a:schemeClr val="tx2"/>
+                </a:solidFill>
+              </a:rPr>
+              <a:t>       THANK </a:t>
+            </a:r>
+            <a:r>
+              <a:rPr lang="en-US" sz="7200" dirty="0">
+                <a:solidFill>
+                  <a:schemeClr val="tx2"/>
+                </a:solidFill>
+              </a:rPr>
+              <a:t>YOU</a:t>
+            </a:r>
+          </a:p>
+        </p:txBody>
+      </p:sp>
+      <p:sp>
+        <p:nvSpPr>
+          <p:cNvPr id="3" name="Content Placeholder 2"/>
+          <p:cNvSpPr>
+            <a:spLocks noGrp="1"/>
+          </p:cNvSpPr>
+          <p:nvPr>
+            <p:ph idx="1"/>
+          </p:nvPr>
+        </p:nvSpPr>
+        <p:spPr/>
+        <p:txBody>
+          <a:bodyPr/>
+          <a:lstStyle/>
+          <a:p>
+            <a:pPr marL="0" indent="0">
+              <a:buNone/>
+            </a:pPr>
+            <a:r>
+              <a:rPr lang="en-US" dirty="0"/>
+              <a:t/>
+            </a:r>
+            <a:br>
+              <a:rPr lang="en-US" dirty="0"/>
+            </a:br>
+            <a:r>
+              <a:rPr lang="en-US" dirty="0" smtClean="0"/>
+              <a:t>                               </a:t>
+            </a:r>
+            <a:endParaRPr lang="en-US" sz="6600" dirty="0"/>
+          </a:p>
+        </p:txBody>
+      </p:sp>
+      <p:pic>
+        <p:nvPicPr>
+          <p:cNvPr id="4" name="Picture 3"/>
+          <p:cNvPicPr>
+            <a:picLocks noChangeAspect="1"/>
+          </p:cNvPicPr>
+          <p:nvPr/>
+        </p:nvPicPr>
+        <p:blipFill rotWithShape="1">
+          <a:blip r:embed="rId2">
+            <a:extLst>
+              <a:ext uri="{28A0092B-C50C-407E-A947-70E740481C1C}">
+                <a14:useLocalDpi xmlns:a14="http://schemas.microsoft.com/office/drawing/2010/main" val="0"/>
+              </a:ext>
+            </a:extLst>
+          </a:blip>
+          <a:srcRect t="-1" b="8461"/>
+          <a:stretch/>
+        </p:blipFill>
+        <p:spPr>
+          <a:xfrm>
+            <a:off x="3747446" y="2265946"/>
+            <a:ext cx="2456444" cy="2924240"/>
+          </a:xfrm>
+          <a:prstGeom prst="rect">
+            <a:avLst/>
+          </a:prstGeom>
+        </p:spPr>
+      </p:pic>
+    </p:spTree>
+    <p:extLst>
+      <p:ext uri="{BB962C8B-B14F-4D97-AF65-F5344CB8AC3E}">
+        <p14:creationId xmlns:p14="http://schemas.microsoft.com/office/powerpoint/2010/main" val="3562985371"/>
+      </p:ext>
+    </p:extLst>
+  </p:cSld>
+  <p:clrMapOvr>
+    <a:masterClrMapping/>
+  </p:clrMapOvr>
+  <p:timing>
+    <p:tnLst>
+      <p:par>
+        <p:cTn id="1" dur="indefinite" restart="never" nodeType="tmRoot"/>
+      </p:par>
+    </p:tnLst>
+  </p:timing>
 </p:sld>
 </file>
 
@@ -6174,7 +6340,7 @@
           <p:cNvPr id="2" name="Title 1">
             <a:extLst>
               <a:ext uri="{FF2B5EF4-FFF2-40B4-BE49-F238E27FC236}">
-                <a16:creationId xmlns:a16="http://schemas.microsoft.com/office/drawing/2014/main" id="{159EDC5F-4090-403D-97AD-1FEA82474063}"/>
+                <a16:creationId xmlns:a16="http://schemas.microsoft.com/office/drawing/2014/main" xmlns="" id="{159EDC5F-4090-403D-97AD-1FEA82474063}"/>
               </a:ext>
             </a:extLst>
           </p:cNvPr>
@@ -6204,7 +6370,7 @@
           <p:cNvPr id="3" name="Content Placeholder 2">
             <a:extLst>
               <a:ext uri="{FF2B5EF4-FFF2-40B4-BE49-F238E27FC236}">
-                <a16:creationId xmlns:a16="http://schemas.microsoft.com/office/drawing/2014/main" id="{F1F61751-BC20-4BC1-9F8D-67EE163BFB91}"/>
+                <a16:creationId xmlns:a16="http://schemas.microsoft.com/office/drawing/2014/main" xmlns="" id="{F1F61751-BC20-4BC1-9F8D-67EE163BFB91}"/>
               </a:ext>
             </a:extLst>
           </p:cNvPr>
@@ -6283,6 +6449,13 @@
   <p:clrMapOvr>
     <a:masterClrMapping/>
   </p:clrMapOvr>
+  <p:timing>
+    <p:tnLst>
+      <p:par>
+        <p:cTn id="1" dur="indefinite" restart="never" nodeType="tmRoot"/>
+      </p:par>
+    </p:tnLst>
+  </p:timing>
 </p:sld>
 </file>
 
@@ -6308,7 +6481,7 @@
           <p:cNvPr id="2" name="Title 1">
             <a:extLst>
               <a:ext uri="{FF2B5EF4-FFF2-40B4-BE49-F238E27FC236}">
-                <a16:creationId xmlns:a16="http://schemas.microsoft.com/office/drawing/2014/main" id="{17288D58-3E69-45A7-8C51-A369C097ACC7}"/>
+                <a16:creationId xmlns:a16="http://schemas.microsoft.com/office/drawing/2014/main" xmlns="" id="{17288D58-3E69-45A7-8C51-A369C097ACC7}"/>
               </a:ext>
             </a:extLst>
           </p:cNvPr>
@@ -6345,7 +6518,7 @@
           <p:cNvPr id="3" name="Content Placeholder 2">
             <a:extLst>
               <a:ext uri="{FF2B5EF4-FFF2-40B4-BE49-F238E27FC236}">
-                <a16:creationId xmlns:a16="http://schemas.microsoft.com/office/drawing/2014/main" id="{B4CBDC61-0987-4C57-BC41-13D7A7DFDA2A}"/>
+                <a16:creationId xmlns:a16="http://schemas.microsoft.com/office/drawing/2014/main" xmlns="" id="{B4CBDC61-0987-4C57-BC41-13D7A7DFDA2A}"/>
               </a:ext>
             </a:extLst>
           </p:cNvPr>
@@ -6458,6 +6631,13 @@
   <p:clrMapOvr>
     <a:masterClrMapping/>
   </p:clrMapOvr>
+  <p:timing>
+    <p:tnLst>
+      <p:par>
+        <p:cTn id="1" dur="indefinite" restart="never" nodeType="tmRoot"/>
+      </p:par>
+    </p:tnLst>
+  </p:timing>
 </p:sld>
 </file>
 
@@ -6483,7 +6663,7 @@
           <p:cNvPr id="2" name="Title 1">
             <a:extLst>
               <a:ext uri="{FF2B5EF4-FFF2-40B4-BE49-F238E27FC236}">
-                <a16:creationId xmlns:a16="http://schemas.microsoft.com/office/drawing/2014/main" id="{61F3C59A-8F33-42AF-923E-E9ADED853C72}"/>
+                <a16:creationId xmlns:a16="http://schemas.microsoft.com/office/drawing/2014/main" xmlns="" id="{61F3C59A-8F33-42AF-923E-E9ADED853C72}"/>
               </a:ext>
             </a:extLst>
           </p:cNvPr>
@@ -6510,259 +6690,35 @@
           </a:p>
         </p:txBody>
       </p:sp>
-      <p:sp>
-        <p:nvSpPr>
-          <p:cNvPr id="3" name="Content Placeholder 2">
+      <p:pic>
+        <p:nvPicPr>
+          <p:cNvPr id="4" name="Content Placeholder 3"/>
+          <p:cNvPicPr>
+            <a:picLocks noGrp="1" noChangeAspect="1"/>
+          </p:cNvPicPr>
+          <p:nvPr>
+            <p:ph idx="1"/>
+          </p:nvPr>
+        </p:nvPicPr>
+        <p:blipFill>
+          <a:blip r:embed="rId2">
             <a:extLst>
-              <a:ext uri="{FF2B5EF4-FFF2-40B4-BE49-F238E27FC236}">
-                <a16:creationId xmlns:a16="http://schemas.microsoft.com/office/drawing/2014/main" id="{55431A06-D808-443B-B8D3-78650166A1B6}"/>
+              <a:ext uri="{28A0092B-C50C-407E-A947-70E740481C1C}">
+                <a14:useLocalDpi xmlns:a14="http://schemas.microsoft.com/office/drawing/2010/main" val="0"/>
               </a:ext>
             </a:extLst>
-          </p:cNvPr>
-          <p:cNvSpPr>
-            <a:spLocks noGrp="1"/>
-          </p:cNvSpPr>
-          <p:nvPr>
-            <p:ph idx="1"/>
-          </p:nvPr>
-        </p:nvSpPr>
+          </a:blip>
+          <a:stretch>
+            <a:fillRect/>
+          </a:stretch>
+        </p:blipFill>
         <p:spPr>
           <a:xfrm>
-            <a:off x="677334" y="1346397"/>
-            <a:ext cx="8596668" cy="5665731"/>
+            <a:off x="677334" y="1559451"/>
+            <a:ext cx="7553325" cy="4286250"/>
           </a:xfrm>
         </p:spPr>
-        <p:txBody>
-          <a:bodyPr vert="horz" lIns="91440" tIns="45720" rIns="91440" bIns="45720" rtlCol="0" anchor="t">
-            <a:normAutofit fontScale="92500" lnSpcReduction="20000"/>
-          </a:bodyPr>
-          <a:lstStyle/>
-          <a:p>
-            <a:r>
-              <a:rPr lang="en-US" dirty="0">
-                <a:ea typeface="+mn-lt"/>
-                <a:cs typeface="+mn-lt"/>
-              </a:rPr>
-              <a:t>Class test </a:t>
-            </a:r>
-            <a:endParaRPr lang="en-US">
-              <a:ea typeface="+mn-lt"/>
-              <a:cs typeface="+mn-lt"/>
-            </a:endParaRPr>
-          </a:p>
-          <a:p>
-            <a:pPr marL="0" indent="0">
-              <a:buNone/>
-            </a:pPr>
-            <a:r>
-              <a:rPr lang="en-US" dirty="0">
-                <a:ea typeface="+mn-lt"/>
-                <a:cs typeface="+mn-lt"/>
-              </a:rPr>
-              <a:t>     {</a:t>
-            </a:r>
-          </a:p>
-          <a:p>
-            <a:pPr marL="0" indent="0">
-              <a:buNone/>
-            </a:pPr>
-            <a:r>
-              <a:rPr lang="en-US" dirty="0">
-                <a:ea typeface="+mn-lt"/>
-                <a:cs typeface="+mn-lt"/>
-              </a:rPr>
-              <a:t>          private : int a;</a:t>
-            </a:r>
-          </a:p>
-          <a:p>
-            <a:pPr marL="0" indent="0">
-              <a:buNone/>
-            </a:pPr>
-            <a:r>
-              <a:rPr lang="en-US" dirty="0">
-                <a:ea typeface="+mn-lt"/>
-                <a:cs typeface="+mn-lt"/>
-              </a:rPr>
-              <a:t>          int b;</a:t>
-            </a:r>
-          </a:p>
-          <a:p>
-            <a:pPr marL="0" indent="0">
-              <a:buNone/>
-            </a:pPr>
-            <a:r>
-              <a:rPr lang="en-US" dirty="0">
-                <a:ea typeface="+mn-lt"/>
-                <a:cs typeface="+mn-lt"/>
-              </a:rPr>
-              <a:t>          public: void </a:t>
-            </a:r>
-            <a:r>
-              <a:rPr lang="en-US" dirty="0" err="1">
-                <a:ea typeface="+mn-lt"/>
-                <a:cs typeface="+mn-lt"/>
-              </a:rPr>
-              <a:t>set_data</a:t>
-            </a:r>
-            <a:r>
-              <a:rPr lang="en-US" dirty="0">
-                <a:ea typeface="+mn-lt"/>
-                <a:cs typeface="+mn-lt"/>
-              </a:rPr>
-              <a:t>(int x, int y) </a:t>
-            </a:r>
-            <a:endParaRPr lang="en-US">
-              <a:ea typeface="+mn-lt"/>
-              <a:cs typeface="+mn-lt"/>
-            </a:endParaRPr>
-          </a:p>
-          <a:p>
-            <a:pPr marL="0" indent="0">
-              <a:buNone/>
-            </a:pPr>
-            <a:r>
-              <a:rPr lang="en-US" dirty="0">
-                <a:ea typeface="+mn-lt"/>
-                <a:cs typeface="+mn-lt"/>
-              </a:rPr>
-              <a:t>          {</a:t>
-            </a:r>
-          </a:p>
-          <a:p>
-            <a:pPr marL="0" indent="0">
-              <a:buNone/>
-            </a:pPr>
-            <a:r>
-              <a:rPr lang="en-US" dirty="0">
-                <a:ea typeface="+mn-lt"/>
-                <a:cs typeface="+mn-lt"/>
-              </a:rPr>
-              <a:t>               a=x;</a:t>
-            </a:r>
-          </a:p>
-          <a:p>
-            <a:pPr marL="0" indent="0">
-              <a:buNone/>
-            </a:pPr>
-            <a:r>
-              <a:rPr lang="en-US" dirty="0">
-                <a:ea typeface="+mn-lt"/>
-                <a:cs typeface="+mn-lt"/>
-              </a:rPr>
-              <a:t>               b=y;</a:t>
-            </a:r>
-          </a:p>
-          <a:p>
-            <a:pPr marL="0" indent="0">
-              <a:buNone/>
-            </a:pPr>
-            <a:r>
-              <a:rPr lang="en-US" dirty="0">
-                <a:ea typeface="+mn-lt"/>
-                <a:cs typeface="+mn-lt"/>
-              </a:rPr>
-              <a:t>          } </a:t>
-            </a:r>
-          </a:p>
-          <a:p>
-            <a:pPr marL="0" indent="0">
-              <a:buNone/>
-            </a:pPr>
-            <a:r>
-              <a:rPr lang="en-US">
-                <a:ea typeface="+mn-lt"/>
-                <a:cs typeface="+mn-lt"/>
-              </a:rPr>
-              <a:t>          int big() </a:t>
-            </a:r>
-          </a:p>
-          <a:p>
-            <a:pPr marL="0" indent="0">
-              <a:buNone/>
-            </a:pPr>
-            <a:r>
-              <a:rPr lang="en-US" dirty="0">
-                <a:ea typeface="+mn-lt"/>
-                <a:cs typeface="+mn-lt"/>
-              </a:rPr>
-              <a:t>          { </a:t>
-            </a:r>
-          </a:p>
-          <a:p>
-            <a:pPr marL="0" indent="0">
-              <a:buNone/>
-            </a:pPr>
-            <a:r>
-              <a:rPr lang="en-US">
-                <a:ea typeface="+mn-lt"/>
-                <a:cs typeface="+mn-lt"/>
-              </a:rPr>
-              <a:t>               if (a &gt; b) </a:t>
-            </a:r>
-          </a:p>
-          <a:p>
-            <a:pPr marL="0" indent="0">
-              <a:buNone/>
-            </a:pPr>
-            <a:r>
-              <a:rPr lang="en-US">
-                <a:ea typeface="+mn-lt"/>
-                <a:cs typeface="+mn-lt"/>
-              </a:rPr>
-              <a:t>                     return a;</a:t>
-            </a:r>
-          </a:p>
-          <a:p>
-            <a:pPr marL="0" indent="0">
-              <a:buNone/>
-            </a:pPr>
-            <a:r>
-              <a:rPr lang="en-US" dirty="0">
-                <a:ea typeface="+mn-lt"/>
-                <a:cs typeface="+mn-lt"/>
-              </a:rPr>
-              <a:t>               else </a:t>
-            </a:r>
-          </a:p>
-          <a:p>
-            <a:pPr marL="0" indent="0">
-              <a:buNone/>
-            </a:pPr>
-            <a:r>
-              <a:rPr lang="en-US" dirty="0">
-                <a:ea typeface="+mn-lt"/>
-                <a:cs typeface="+mn-lt"/>
-              </a:rPr>
-              <a:t>                     return b; </a:t>
-            </a:r>
-          </a:p>
-          <a:p>
-            <a:pPr marL="0" indent="0">
-              <a:buNone/>
-            </a:pPr>
-            <a:r>
-              <a:rPr lang="en-US" dirty="0">
-                <a:ea typeface="+mn-lt"/>
-                <a:cs typeface="+mn-lt"/>
-              </a:rPr>
-              <a:t>           }</a:t>
-            </a:r>
-          </a:p>
-          <a:p>
-            <a:pPr marL="0" indent="0">
-              <a:buNone/>
-            </a:pPr>
-            <a:r>
-              <a:rPr lang="en-US" dirty="0">
-                <a:ea typeface="+mn-lt"/>
-                <a:cs typeface="+mn-lt"/>
-              </a:rPr>
-              <a:t>      }</a:t>
-            </a:r>
-            <a:endParaRPr lang="en-US" dirty="0"/>
-          </a:p>
-        </p:txBody>
-      </p:sp>
+      </p:pic>
     </p:spTree>
     <p:extLst>
       <p:ext uri="{BB962C8B-B14F-4D97-AF65-F5344CB8AC3E}">
@@ -6773,6 +6729,13 @@
   <p:clrMapOvr>
     <a:masterClrMapping/>
   </p:clrMapOvr>
+  <p:timing>
+    <p:tnLst>
+      <p:par>
+        <p:cTn id="1" dur="indefinite" restart="never" nodeType="tmRoot"/>
+      </p:par>
+    </p:tnLst>
+  </p:timing>
 </p:sld>
 </file>
 
@@ -6798,7 +6761,7 @@
           <p:cNvPr id="2" name="Title 1">
             <a:extLst>
               <a:ext uri="{FF2B5EF4-FFF2-40B4-BE49-F238E27FC236}">
-                <a16:creationId xmlns:a16="http://schemas.microsoft.com/office/drawing/2014/main" id="{EA559493-5FBF-42A1-AF47-62FE1A96E619}"/>
+                <a16:creationId xmlns:a16="http://schemas.microsoft.com/office/drawing/2014/main" xmlns="" id="{EA559493-5FBF-42A1-AF47-62FE1A96E619}"/>
               </a:ext>
             </a:extLst>
           </p:cNvPr>
@@ -6832,7 +6795,7 @@
           <p:cNvPr id="4" name="Picture 4" descr="A close up of a green screen&#10;&#10;Description generated with high confidence">
             <a:extLst>
               <a:ext uri="{FF2B5EF4-FFF2-40B4-BE49-F238E27FC236}">
-                <a16:creationId xmlns:a16="http://schemas.microsoft.com/office/drawing/2014/main" id="{E5F20395-95F4-4346-838F-429CD3AFF6DF}"/>
+                <a16:creationId xmlns:a16="http://schemas.microsoft.com/office/drawing/2014/main" xmlns="" id="{E5F20395-95F4-4346-838F-429CD3AFF6DF}"/>
               </a:ext>
             </a:extLst>
           </p:cNvPr>
@@ -6851,7 +6814,7 @@
         </p:blipFill>
         <p:spPr>
           <a:xfrm>
-            <a:off x="677318" y="2439131"/>
+            <a:off x="675974" y="2413373"/>
             <a:ext cx="8598028" cy="2936531"/>
           </a:xfrm>
         </p:spPr>
@@ -6866,6 +6829,13 @@
   <p:clrMapOvr>
     <a:masterClrMapping/>
   </p:clrMapOvr>
+  <p:timing>
+    <p:tnLst>
+      <p:par>
+        <p:cTn id="1" dur="indefinite" restart="never" nodeType="tmRoot"/>
+      </p:par>
+    </p:tnLst>
+  </p:timing>
 </p:sld>
 </file>
 
@@ -6891,7 +6861,7 @@
           <p:cNvPr id="2" name="Title 1">
             <a:extLst>
               <a:ext uri="{FF2B5EF4-FFF2-40B4-BE49-F238E27FC236}">
-                <a16:creationId xmlns:a16="http://schemas.microsoft.com/office/drawing/2014/main" id="{0D013D16-441C-4F37-9081-B51736B0DE4B}"/>
+                <a16:creationId xmlns:a16="http://schemas.microsoft.com/office/drawing/2014/main" xmlns="" id="{0D013D16-441C-4F37-9081-B51736B0DE4B}"/>
               </a:ext>
             </a:extLst>
           </p:cNvPr>
@@ -6925,7 +6895,7 @@
           <p:cNvPr id="3" name="Content Placeholder 2">
             <a:extLst>
               <a:ext uri="{FF2B5EF4-FFF2-40B4-BE49-F238E27FC236}">
-                <a16:creationId xmlns:a16="http://schemas.microsoft.com/office/drawing/2014/main" id="{0CBA901F-CF4D-4145-82E0-EC56CA9CD9E8}"/>
+                <a16:creationId xmlns:a16="http://schemas.microsoft.com/office/drawing/2014/main" xmlns="" id="{0CBA901F-CF4D-4145-82E0-EC56CA9CD9E8}"/>
               </a:ext>
             </a:extLst>
           </p:cNvPr>
@@ -6939,60 +6909,56 @@
         <p:spPr/>
         <p:txBody>
           <a:bodyPr vert="horz" lIns="91440" tIns="45720" rIns="91440" bIns="45720" rtlCol="0" anchor="t">
-            <a:normAutofit/>
+            <a:noAutofit/>
           </a:bodyPr>
           <a:lstStyle/>
           <a:p>
             <a:r>
-              <a:rPr lang="en-US" b="1" dirty="0">
+              <a:rPr lang="en-US" sz="2400" b="1" dirty="0">
                 <a:ea typeface="+mn-lt"/>
                 <a:cs typeface="+mn-lt"/>
               </a:rPr>
               <a:t>Constructor</a:t>
             </a:r>
             <a:r>
-              <a:rPr lang="en-US" dirty="0">
+              <a:rPr lang="en-US" sz="2400" dirty="0">
                 <a:ea typeface="+mn-lt"/>
                 <a:cs typeface="+mn-lt"/>
               </a:rPr>
               <a:t> is a block of code that initializes the newly created object.</a:t>
             </a:r>
-            <a:endParaRPr lang="en-US">
-              <a:ea typeface="+mn-lt"/>
-              <a:cs typeface="+mn-lt"/>
-            </a:endParaRPr>
-          </a:p>
-          <a:p>
-            <a:r>
-              <a:rPr lang="en-US" dirty="0">
+          </a:p>
+          <a:p>
+            <a:r>
+              <a:rPr lang="en-US" sz="2400" dirty="0">
                 <a:ea typeface="+mn-lt"/>
                 <a:cs typeface="+mn-lt"/>
               </a:rPr>
               <a:t>A </a:t>
             </a:r>
             <a:r>
-              <a:rPr lang="en-US" b="1" dirty="0">
+              <a:rPr lang="en-US" sz="2400" b="1" dirty="0">
                 <a:ea typeface="+mn-lt"/>
                 <a:cs typeface="+mn-lt"/>
               </a:rPr>
               <a:t>constructor</a:t>
             </a:r>
             <a:r>
-              <a:rPr lang="en-US" dirty="0">
+              <a:rPr lang="en-US" sz="2400" dirty="0">
                 <a:ea typeface="+mn-lt"/>
                 <a:cs typeface="+mn-lt"/>
               </a:rPr>
               <a:t> resembles an instance method in </a:t>
             </a:r>
             <a:r>
-              <a:rPr lang="en-US" b="1" dirty="0">
+              <a:rPr lang="en-US" sz="2400" b="1" dirty="0">
                 <a:ea typeface="+mn-lt"/>
                 <a:cs typeface="+mn-lt"/>
               </a:rPr>
               <a:t>java</a:t>
             </a:r>
             <a:r>
-              <a:rPr lang="en-US" dirty="0">
+              <a:rPr lang="en-US" sz="2400" dirty="0">
                 <a:ea typeface="+mn-lt"/>
                 <a:cs typeface="+mn-lt"/>
               </a:rPr>
@@ -7001,28 +6967,28 @@
           </a:p>
           <a:p>
             <a:r>
-              <a:rPr lang="en-US" b="1" dirty="0">
+              <a:rPr lang="en-US" sz="2400" b="1" dirty="0">
                 <a:ea typeface="+mn-lt"/>
                 <a:cs typeface="+mn-lt"/>
               </a:rPr>
               <a:t>Constructor</a:t>
             </a:r>
             <a:r>
-              <a:rPr lang="en-US" dirty="0">
+              <a:rPr lang="en-US" sz="2400" dirty="0">
                 <a:ea typeface="+mn-lt"/>
                 <a:cs typeface="+mn-lt"/>
               </a:rPr>
               <a:t> has same name as the class and looks like this in a </a:t>
             </a:r>
             <a:r>
-              <a:rPr lang="en-US" b="1" dirty="0">
+              <a:rPr lang="en-US" sz="2400" b="1" dirty="0">
                 <a:ea typeface="+mn-lt"/>
                 <a:cs typeface="+mn-lt"/>
               </a:rPr>
               <a:t>java</a:t>
             </a:r>
             <a:r>
-              <a:rPr lang="en-US" dirty="0">
+              <a:rPr lang="en-US" sz="2400" dirty="0">
                 <a:ea typeface="+mn-lt"/>
                 <a:cs typeface="+mn-lt"/>
               </a:rPr>
@@ -7031,7 +6997,7 @@
           </a:p>
           <a:p>
             <a:r>
-              <a:rPr lang="en-US" dirty="0">
+              <a:rPr lang="en-US" sz="2400" dirty="0">
                 <a:ea typeface="+mn-lt"/>
                 <a:cs typeface="+mn-lt"/>
               </a:rPr>
@@ -7043,7 +7009,7 @@
               <a:buNone/>
             </a:pPr>
             <a:r>
-              <a:rPr lang="en-US" dirty="0">
+              <a:rPr lang="en-US" sz="2400" dirty="0">
                 <a:ea typeface="+mn-lt"/>
                 <a:cs typeface="+mn-lt"/>
               </a:rPr>
@@ -7055,13 +7021,13 @@
               <a:buNone/>
             </a:pPr>
             <a:r>
-              <a:rPr lang="en-US" dirty="0">
+              <a:rPr lang="en-US" sz="2400" dirty="0">
                 <a:ea typeface="+mn-lt"/>
                 <a:cs typeface="+mn-lt"/>
               </a:rPr>
               <a:t>             2. Non-Parameterized constructor</a:t>
             </a:r>
-            <a:endParaRPr lang="en-US" b="1" dirty="0">
+            <a:endParaRPr lang="en-US" sz="2400" b="1" dirty="0">
               <a:ea typeface="+mn-lt"/>
               <a:cs typeface="+mn-lt"/>
             </a:endParaRPr>
@@ -7071,7 +7037,7 @@
               <a:buNone/>
             </a:pPr>
             <a:r>
-              <a:rPr lang="en-US" dirty="0">
+              <a:rPr lang="en-US" sz="2400" dirty="0">
                 <a:ea typeface="+mn-lt"/>
                 <a:cs typeface="+mn-lt"/>
               </a:rPr>
@@ -7090,6 +7056,13 @@
   <p:clrMapOvr>
     <a:masterClrMapping/>
   </p:clrMapOvr>
+  <p:timing>
+    <p:tnLst>
+      <p:par>
+        <p:cTn id="1" dur="indefinite" restart="never" nodeType="tmRoot"/>
+      </p:par>
+    </p:tnLst>
+  </p:timing>
 </p:sld>
 </file>
 
@@ -7115,7 +7088,7 @@
           <p:cNvPr id="2" name="Title 1">
             <a:extLst>
               <a:ext uri="{FF2B5EF4-FFF2-40B4-BE49-F238E27FC236}">
-                <a16:creationId xmlns:a16="http://schemas.microsoft.com/office/drawing/2014/main" id="{DA24291E-7868-4DF5-9696-93D5F544BE33}"/>
+                <a16:creationId xmlns:a16="http://schemas.microsoft.com/office/drawing/2014/main" xmlns="" id="{DA24291E-7868-4DF5-9696-93D5F544BE33}"/>
               </a:ext>
             </a:extLst>
           </p:cNvPr>
@@ -7134,16 +7107,16 @@
           <a:lstStyle/>
           <a:p>
             <a:r>
-              <a:rPr lang="en-US" sz="6600" dirty="0">
+              <a:rPr lang="en-US" sz="6600" dirty="0" smtClean="0">
                 <a:solidFill>
                   <a:schemeClr val="tx2"/>
                 </a:solidFill>
                 <a:ea typeface="+mj-lt"/>
                 <a:cs typeface="+mj-lt"/>
               </a:rPr>
-              <a:t>Member Function</a:t>
-            </a:r>
-            <a:endParaRPr lang="en-US" sz="6600">
+              <a:t>METHODS</a:t>
+            </a:r>
+            <a:endParaRPr lang="en-US" sz="6600" dirty="0">
               <a:solidFill>
                 <a:schemeClr val="tx2"/>
               </a:solidFill>
@@ -7156,7 +7129,7 @@
           <p:cNvPr id="3" name="Content Placeholder 2">
             <a:extLst>
               <a:ext uri="{FF2B5EF4-FFF2-40B4-BE49-F238E27FC236}">
-                <a16:creationId xmlns:a16="http://schemas.microsoft.com/office/drawing/2014/main" id="{72207DB0-69F0-4F76-8561-E602618DAF0E}"/>
+                <a16:creationId xmlns:a16="http://schemas.microsoft.com/office/drawing/2014/main" xmlns="" id="{72207DB0-69F0-4F76-8561-E602618DAF0E}"/>
               </a:ext>
             </a:extLst>
           </p:cNvPr>
@@ -7167,7 +7140,12 @@
             <p:ph idx="1"/>
           </p:nvPr>
         </p:nvSpPr>
-        <p:spPr/>
+        <p:spPr>
+          <a:xfrm>
+            <a:off x="677334" y="1799980"/>
+            <a:ext cx="8596668" cy="3880773"/>
+          </a:xfrm>
+        </p:spPr>
         <p:txBody>
           <a:bodyPr vert="horz" lIns="91440" tIns="45720" rIns="91440" bIns="45720" rtlCol="0" anchor="t">
             <a:noAutofit/>
@@ -7175,30 +7153,139 @@
           <a:lstStyle/>
           <a:p>
             <a:r>
-              <a:rPr lang="en-US" sz="3200" dirty="0">
+              <a:rPr lang="en-US" sz="2800" dirty="0"/>
+              <a:t>A </a:t>
+            </a:r>
+            <a:r>
+              <a:rPr lang="en-US" sz="2800" b="1" dirty="0"/>
+              <a:t>method</a:t>
+            </a:r>
+            <a:r>
+              <a:rPr lang="en-US" sz="2800" dirty="0"/>
+              <a:t> is a block of code which only runs when it is called</a:t>
+            </a:r>
+            <a:r>
+              <a:rPr lang="en-US" sz="2800" dirty="0" smtClean="0"/>
+              <a:t>.</a:t>
+            </a:r>
+          </a:p>
+          <a:p>
+            <a:r>
+              <a:rPr lang="en-US" sz="2800" dirty="0"/>
+              <a:t>You can pass data, known as parameters, into a </a:t>
+            </a:r>
+            <a:r>
+              <a:rPr lang="en-US" sz="2800" b="1" dirty="0"/>
+              <a:t>method</a:t>
+            </a:r>
+            <a:r>
+              <a:rPr lang="en-US" sz="2800" dirty="0" smtClean="0"/>
+              <a:t>.</a:t>
+            </a:r>
+          </a:p>
+          <a:p>
+            <a:r>
+              <a:rPr lang="en-US" sz="2800" b="1" dirty="0"/>
+              <a:t>Methods</a:t>
+            </a:r>
+            <a:r>
+              <a:rPr lang="en-US" sz="2800" dirty="0"/>
+              <a:t> are used to perform certain actions, and they are also known as functions</a:t>
+            </a:r>
+            <a:r>
+              <a:rPr lang="en-US" sz="2800" dirty="0" smtClean="0"/>
+              <a:t>.</a:t>
+            </a:r>
+          </a:p>
+          <a:p>
+            <a:r>
+              <a:rPr lang="en-US" sz="2800" dirty="0" smtClean="0">
                 <a:ea typeface="+mn-lt"/>
                 <a:cs typeface="+mn-lt"/>
               </a:rPr>
-              <a:t>Member function’s name is visible outside the class.</a:t>
-            </a:r>
-          </a:p>
-          <a:p>
-            <a:r>
-              <a:rPr lang="en-US" sz="3200" dirty="0">
+              <a:t>Syntax of method:</a:t>
+            </a:r>
+          </a:p>
+          <a:p>
+            <a:pPr marL="0" indent="0">
+              <a:buNone/>
+            </a:pPr>
+            <a:r>
+              <a:rPr lang="en-US" sz="2800" dirty="0">
                 <a:ea typeface="+mn-lt"/>
                 <a:cs typeface="+mn-lt"/>
               </a:rPr>
-              <a:t>It can be defined inside or outside the class.</a:t>
-            </a:r>
-          </a:p>
-          <a:p>
-            <a:r>
-              <a:rPr lang="en-US" sz="3200" dirty="0">
+              <a:t> </a:t>
+            </a:r>
+            <a:r>
+              <a:rPr lang="en-US" sz="2800" dirty="0" smtClean="0">
                 <a:ea typeface="+mn-lt"/>
                 <a:cs typeface="+mn-lt"/>
               </a:rPr>
-              <a:t>It can have access to private, public and protected data members of its class, but cannot access private data members of another class.</a:t>
-            </a:r>
+              <a:t>   </a:t>
+            </a:r>
+            <a:r>
+              <a:rPr lang="en-US" sz="2000" dirty="0" smtClean="0">
+                <a:ea typeface="+mn-lt"/>
+                <a:cs typeface="+mn-lt"/>
+              </a:rPr>
+              <a:t>&lt;</a:t>
+            </a:r>
+            <a:r>
+              <a:rPr lang="en-US" sz="2000" dirty="0" err="1" smtClean="0">
+                <a:ea typeface="+mn-lt"/>
+                <a:cs typeface="+mn-lt"/>
+              </a:rPr>
+              <a:t>access_specifier</a:t>
+            </a:r>
+            <a:r>
+              <a:rPr lang="en-US" sz="2000" dirty="0" smtClean="0">
+                <a:ea typeface="+mn-lt"/>
+                <a:cs typeface="+mn-lt"/>
+              </a:rPr>
+              <a:t>&gt;&lt;</a:t>
+            </a:r>
+            <a:r>
+              <a:rPr lang="en-US" sz="2000" dirty="0" err="1" smtClean="0">
+                <a:ea typeface="+mn-lt"/>
+                <a:cs typeface="+mn-lt"/>
+              </a:rPr>
+              <a:t>return_type</a:t>
+            </a:r>
+            <a:r>
+              <a:rPr lang="en-US" sz="2000" dirty="0" smtClean="0">
+                <a:ea typeface="+mn-lt"/>
+                <a:cs typeface="+mn-lt"/>
+              </a:rPr>
+              <a:t>&gt; </a:t>
+            </a:r>
+            <a:r>
+              <a:rPr lang="en-US" sz="2000" dirty="0" err="1" smtClean="0">
+                <a:ea typeface="+mn-lt"/>
+                <a:cs typeface="+mn-lt"/>
+              </a:rPr>
+              <a:t>method_name</a:t>
+            </a:r>
+            <a:r>
+              <a:rPr lang="en-US" sz="2000" dirty="0" smtClean="0">
+                <a:ea typeface="+mn-lt"/>
+                <a:cs typeface="+mn-lt"/>
+              </a:rPr>
+              <a:t>(parameter)</a:t>
+            </a:r>
+            <a:endParaRPr lang="en-US" sz="2000" dirty="0">
+              <a:ea typeface="+mn-lt"/>
+              <a:cs typeface="+mn-lt"/>
+            </a:endParaRPr>
+          </a:p>
+          <a:p>
+            <a:pPr marL="0" indent="0">
+              <a:buNone/>
+            </a:pPr>
+            <a:endParaRPr lang="en-US" sz="2800" dirty="0">
+              <a:ea typeface="+mn-lt"/>
+              <a:cs typeface="+mn-lt"/>
+            </a:endParaRPr>
           </a:p>
         </p:txBody>
       </p:sp>
@@ -7212,6 +7299,13 @@
   <p:clrMapOvr>
     <a:masterClrMapping/>
   </p:clrMapOvr>
+  <p:timing>
+    <p:tnLst>
+      <p:par>
+        <p:cTn id="1" dur="indefinite" restart="never" nodeType="tmRoot"/>
+      </p:par>
+    </p:tnLst>
+  </p:timing>
 </p:sld>
 </file>
 
@@ -7237,7 +7331,7 @@
           <p:cNvPr id="2" name="Title 1">
             <a:extLst>
               <a:ext uri="{FF2B5EF4-FFF2-40B4-BE49-F238E27FC236}">
-                <a16:creationId xmlns:a16="http://schemas.microsoft.com/office/drawing/2014/main" id="{07FBD598-3CAA-4046-B41C-192D3303BACE}"/>
+                <a16:creationId xmlns:a16="http://schemas.microsoft.com/office/drawing/2014/main" xmlns="" id="{07FBD598-3CAA-4046-B41C-192D3303BACE}"/>
               </a:ext>
             </a:extLst>
           </p:cNvPr>
@@ -7278,7 +7372,7 @@
           <p:cNvPr id="3" name="Content Placeholder 2">
             <a:extLst>
               <a:ext uri="{FF2B5EF4-FFF2-40B4-BE49-F238E27FC236}">
-                <a16:creationId xmlns:a16="http://schemas.microsoft.com/office/drawing/2014/main" id="{38495477-1ECF-42E4-83D3-93F09387BE86}"/>
+                <a16:creationId xmlns:a16="http://schemas.microsoft.com/office/drawing/2014/main" xmlns="" id="{38495477-1ECF-42E4-83D3-93F09387BE86}"/>
               </a:ext>
             </a:extLst>
           </p:cNvPr>
@@ -7292,35 +7386,35 @@
         <p:spPr/>
         <p:txBody>
           <a:bodyPr vert="horz" lIns="91440" tIns="45720" rIns="91440" bIns="45720" rtlCol="0" anchor="t">
-            <a:normAutofit/>
+            <a:noAutofit/>
           </a:bodyPr>
           <a:lstStyle/>
           <a:p>
             <a:r>
-              <a:rPr lang="en-US" dirty="0">
+              <a:rPr lang="en-US" sz="2800" dirty="0">
                 <a:ea typeface="+mn-lt"/>
                 <a:cs typeface="+mn-lt"/>
               </a:rPr>
               <a:t>Object is an abstraction of real </a:t>
             </a:r>
             <a:r>
-              <a:rPr lang="en-US" dirty="0" err="1">
+              <a:rPr lang="en-US" sz="2800" dirty="0" smtClean="0">
                 <a:ea typeface="+mn-lt"/>
                 <a:cs typeface="+mn-lt"/>
               </a:rPr>
-              <a:t>wold</a:t>
-            </a:r>
-            <a:r>
-              <a:rPr lang="en-US" dirty="0">
+              <a:t>world </a:t>
+            </a:r>
+            <a:r>
+              <a:rPr lang="en-US" sz="2800" dirty="0">
                 <a:ea typeface="+mn-lt"/>
                 <a:cs typeface="+mn-lt"/>
               </a:rPr>
-              <a:t> entity</a:t>
-            </a:r>
-          </a:p>
-          <a:p>
-            <a:r>
-              <a:rPr lang="en-US" dirty="0">
+              <a:t>entity</a:t>
+            </a:r>
+          </a:p>
+          <a:p>
+            <a:r>
+              <a:rPr lang="en-US" sz="2800" dirty="0">
                 <a:ea typeface="+mn-lt"/>
                 <a:cs typeface="+mn-lt"/>
               </a:rPr>
@@ -7329,7 +7423,7 @@
           </a:p>
           <a:p>
             <a:r>
-              <a:rPr lang="en-US" dirty="0">
+              <a:rPr lang="en-US" sz="2800" dirty="0">
                 <a:ea typeface="+mn-lt"/>
                 <a:cs typeface="+mn-lt"/>
               </a:rPr>
@@ -7341,7 +7435,7 @@
               <a:buNone/>
             </a:pPr>
             <a:r>
-              <a:rPr lang="en-US" dirty="0"/>
+              <a:rPr lang="en-US" sz="2800" dirty="0"/>
               <a:t>      &lt;class name&gt; &lt;object name&gt;= new constructor();</a:t>
             </a:r>
           </a:p>
@@ -7350,7 +7444,7 @@
               <a:buNone/>
             </a:pPr>
             <a:r>
-              <a:rPr lang="en-US" dirty="0"/>
+              <a:rPr lang="en-US" sz="2800" dirty="0"/>
               <a:t>      Example:</a:t>
             </a:r>
           </a:p>
@@ -7359,7 +7453,7 @@
               <a:buNone/>
             </a:pPr>
             <a:r>
-              <a:rPr lang="en-US" dirty="0"/>
+              <a:rPr lang="en-US" sz="2800" dirty="0"/>
               <a:t>       Person per=new Person();</a:t>
             </a:r>
           </a:p>
@@ -7368,7 +7462,7 @@
               <a:buNone/>
             </a:pPr>
             <a:r>
-              <a:rPr lang="en-US" dirty="0"/>
+              <a:rPr lang="en-US" sz="2800" dirty="0"/>
               <a:t>      </a:t>
             </a:r>
           </a:p>
@@ -7384,6 +7478,13 @@
   <p:clrMapOvr>
     <a:masterClrMapping/>
   </p:clrMapOvr>
+  <p:timing>
+    <p:tnLst>
+      <p:par>
+        <p:cTn id="1" dur="indefinite" restart="never" nodeType="tmRoot"/>
+      </p:par>
+    </p:tnLst>
+  </p:timing>
 </p:sld>
 </file>
 
@@ -7409,7 +7510,7 @@
           <p:cNvPr id="2" name="Title 1">
             <a:extLst>
               <a:ext uri="{FF2B5EF4-FFF2-40B4-BE49-F238E27FC236}">
-                <a16:creationId xmlns:a16="http://schemas.microsoft.com/office/drawing/2014/main" id="{CBD7988D-80F6-4674-8AC9-141BAD11E612}"/>
+                <a16:creationId xmlns:a16="http://schemas.microsoft.com/office/drawing/2014/main" xmlns="" id="{CBD7988D-80F6-4674-8AC9-141BAD11E612}"/>
               </a:ext>
             </a:extLst>
           </p:cNvPr>
@@ -7445,7 +7546,7 @@
           <p:cNvPr id="3" name="Content Placeholder 2">
             <a:extLst>
               <a:ext uri="{FF2B5EF4-FFF2-40B4-BE49-F238E27FC236}">
-                <a16:creationId xmlns:a16="http://schemas.microsoft.com/office/drawing/2014/main" id="{57DEAAD4-A8CF-4F46-BD70-D2D915ECF6C1}"/>
+                <a16:creationId xmlns:a16="http://schemas.microsoft.com/office/drawing/2014/main" xmlns="" id="{57DEAAD4-A8CF-4F46-BD70-D2D915ECF6C1}"/>
               </a:ext>
             </a:extLst>
           </p:cNvPr>
@@ -7456,7 +7557,12 @@
             <p:ph idx="1"/>
           </p:nvPr>
         </p:nvSpPr>
-        <p:spPr/>
+        <p:spPr>
+          <a:xfrm>
+            <a:off x="677333" y="2160589"/>
+            <a:ext cx="7809843" cy="3943997"/>
+          </a:xfrm>
+        </p:spPr>
         <p:txBody>
           <a:bodyPr vert="horz" lIns="91440" tIns="45720" rIns="91440" bIns="45720" rtlCol="0" anchor="t">
             <a:noAutofit/>
@@ -7500,6 +7606,35 @@
           </a:p>
         </p:txBody>
       </p:sp>
+      <p:pic>
+        <p:nvPicPr>
+          <p:cNvPr id="4" name="Picture 3"/>
+          <p:cNvPicPr>
+            <a:picLocks noChangeAspect="1"/>
+          </p:cNvPicPr>
+          <p:nvPr/>
+        </p:nvPicPr>
+        <p:blipFill rotWithShape="1">
+          <a:blip r:embed="rId2">
+            <a:extLst>
+              <a:ext uri="{28A0092B-C50C-407E-A947-70E740481C1C}">
+                <a14:useLocalDpi xmlns:a14="http://schemas.microsoft.com/office/drawing/2010/main" val="0"/>
+              </a:ext>
+            </a:extLst>
+          </a:blip>
+          <a:srcRect t="14772"/>
+          <a:stretch/>
+        </p:blipFill>
+        <p:spPr>
+          <a:xfrm>
+            <a:off x="8358387" y="2778775"/>
+            <a:ext cx="3434427" cy="3556000"/>
+          </a:xfrm>
+          <a:prstGeom prst="rect">
+            <a:avLst/>
+          </a:prstGeom>
+        </p:spPr>
+      </p:pic>
     </p:spTree>
     <p:extLst>
       <p:ext uri="{BB962C8B-B14F-4D97-AF65-F5344CB8AC3E}">
@@ -7510,6 +7645,13 @@
   <p:clrMapOvr>
     <a:masterClrMapping/>
   </p:clrMapOvr>
+  <p:timing>
+    <p:tnLst>
+      <p:par>
+        <p:cTn id="1" dur="indefinite" restart="never" nodeType="tmRoot"/>
+      </p:par>
+    </p:tnLst>
+  </p:timing>
 </p:sld>
 </file>
 
